--- a/generated.pptx
+++ b/generated.pptx
@@ -3126,6 +3126,113 @@
           <a:p>
             <a:r>
               <a:t>python-pptx generator was here!</a:t>
+            </a:r>
+          </a:p>
+        </p:txBody>
+      </p:sp>
+      <p:sp>
+        <p:nvSpPr>
+          <p:cNvPr id="4" name="Rounded Rectangle 3"/>
+          <p:cNvSpPr/>
+          <p:nvPr/>
+        </p:nvSpPr>
+        <p:spPr>
+          <a:xfrm>
+            <a:off x="914400" y="914400"/>
+            <a:ext cx="914400" cy="914400"/>
+          </a:xfrm>
+          <a:prstGeom prst="roundRect">
+            <a:avLst/>
+          </a:prstGeom>
+        </p:spPr>
+        <p:style>
+          <a:lnRef idx="1">
+            <a:schemeClr val="accent1"/>
+          </a:lnRef>
+          <a:fillRef idx="3">
+            <a:schemeClr val="accent1"/>
+          </a:fillRef>
+          <a:effectRef idx="2">
+            <a:schemeClr val="accent1"/>
+          </a:effectRef>
+          <a:fontRef idx="minor">
+            <a:schemeClr val="lt1"/>
+          </a:fontRef>
+        </p:style>
+        <p:txBody>
+          <a:bodyPr rtlCol="0" anchor="ctr"/>
+          <a:lstStyle/>
+          <a:p>
+            <a:pPr algn="ctr"/>
+          </a:p>
+        </p:txBody>
+      </p:sp>
+      <p:sp>
+        <p:nvSpPr>
+          <p:cNvPr id="5" name="Rounded Rectangle 4"/>
+          <p:cNvSpPr/>
+          <p:nvPr/>
+        </p:nvSpPr>
+        <p:spPr>
+          <a:xfrm>
+            <a:off x="914400" y="914400"/>
+            <a:ext cx="914400" cy="914400"/>
+          </a:xfrm>
+          <a:prstGeom prst="roundRect">
+            <a:avLst/>
+          </a:prstGeom>
+          <a:solidFill>
+            <a:srgbClr val="FF0000"/>
+          </a:solidFill>
+        </p:spPr>
+        <p:style>
+          <a:lnRef idx="1">
+            <a:schemeClr val="accent1"/>
+          </a:lnRef>
+          <a:fillRef idx="3">
+            <a:schemeClr val="accent1"/>
+          </a:fillRef>
+          <a:effectRef idx="2">
+            <a:schemeClr val="accent1"/>
+          </a:effectRef>
+          <a:fontRef idx="minor">
+            <a:schemeClr val="lt1"/>
+          </a:fontRef>
+        </p:style>
+        <p:txBody>
+          <a:bodyPr rtlCol="0" anchor="ctr"/>
+          <a:lstStyle/>
+          <a:p>
+            <a:r>
+              <a:t>ADDED TEXT HERE! :)</a:t>
+            </a:r>
+          </a:p>
+        </p:txBody>
+      </p:sp>
+      <p:sp>
+        <p:nvSpPr>
+          <p:cNvPr id="6" name="TextBox 5"/>
+          <p:cNvSpPr txBox="1"/>
+          <p:nvPr/>
+        </p:nvSpPr>
+        <p:spPr>
+          <a:xfrm>
+            <a:off x="1" y="1"/>
+            <a:ext cx="1" cy="1"/>
+          </a:xfrm>
+          <a:prstGeom prst="rect">
+            <a:avLst/>
+          </a:prstGeom>
+          <a:noFill/>
+        </p:spPr>
+        <p:txBody>
+          <a:bodyPr wrap="none">
+            <a:spAutoFit/>
+          </a:bodyPr>
+          <a:lstStyle/>
+          <a:p>
+            <a:r>
+              <a:t>ADDED TEXT HERE! :)</a:t>
             </a:r>
           </a:p>
         </p:txBody>
